--- a/iQUAVISチームにおけるSVN→Git移行.pptx
+++ b/iQUAVISチームにおけるSVN→Git移行.pptx
@@ -114,7 +114,7 @@
   </p:defaultTextStyle>
   <p:extLst>
     <p:ext uri="{EFAFB233-063F-42B5-8137-9DF3F51BA10A}">
-      <p15:sldGuideLst xmlns:p15="http://schemas.microsoft.com/office/powerpoint/2012/main" xmlns="">
+      <p15:sldGuideLst xmlns="" xmlns:p15="http://schemas.microsoft.com/office/powerpoint/2012/main">
         <p15:guide id="1" orient="horz" pos="2160">
           <p15:clr>
             <a:srgbClr val="A4A3A4"/>
@@ -669,7 +669,7 @@
           <p:cNvPr id="18" name="図 17">
             <a:extLst>
               <a:ext uri="{FF2B5EF4-FFF2-40B4-BE49-F238E27FC236}">
-                <a16:creationId xmlns:a16="http://schemas.microsoft.com/office/drawing/2014/main" xmlns="" id="{E0E2B3FA-ED99-3642-88CD-0579ADF65F6B}"/>
+                <a16:creationId xmlns="" xmlns:a16="http://schemas.microsoft.com/office/drawing/2014/main" id="{E0E2B3FA-ED99-3642-88CD-0579ADF65F6B}"/>
               </a:ext>
             </a:extLst>
           </p:cNvPr>
@@ -705,7 +705,7 @@
           <p:cNvPr id="7" name="角丸四角形 6">
             <a:extLst>
               <a:ext uri="{FF2B5EF4-FFF2-40B4-BE49-F238E27FC236}">
-                <a16:creationId xmlns:a16="http://schemas.microsoft.com/office/drawing/2014/main" xmlns="" id="{98F2E001-90B2-EE48-9AEB-A987A65B8AF7}"/>
+                <a16:creationId xmlns="" xmlns:a16="http://schemas.microsoft.com/office/drawing/2014/main" id="{98F2E001-90B2-EE48-9AEB-A987A65B8AF7}"/>
               </a:ext>
             </a:extLst>
           </p:cNvPr>
@@ -761,7 +761,7 @@
           <p:cNvPr id="2" name="タイトル 1">
             <a:extLst>
               <a:ext uri="{FF2B5EF4-FFF2-40B4-BE49-F238E27FC236}">
-                <a16:creationId xmlns:a16="http://schemas.microsoft.com/office/drawing/2014/main" xmlns="" id="{EEA5781F-9DBD-7948-8A3C-D6C144775A63}"/>
+                <a16:creationId xmlns="" xmlns:a16="http://schemas.microsoft.com/office/drawing/2014/main" id="{EEA5781F-9DBD-7948-8A3C-D6C144775A63}"/>
               </a:ext>
             </a:extLst>
           </p:cNvPr>
@@ -807,7 +807,7 @@
           <p:cNvPr id="3" name="サブタイトル 2">
             <a:extLst>
               <a:ext uri="{FF2B5EF4-FFF2-40B4-BE49-F238E27FC236}">
-                <a16:creationId xmlns:a16="http://schemas.microsoft.com/office/drawing/2014/main" xmlns="" id="{168E48E9-CB3A-C843-B988-EE7233151B28}"/>
+                <a16:creationId xmlns="" xmlns:a16="http://schemas.microsoft.com/office/drawing/2014/main" id="{168E48E9-CB3A-C843-B988-EE7233151B28}"/>
               </a:ext>
             </a:extLst>
           </p:cNvPr>
@@ -892,7 +892,7 @@
           <p:cNvPr id="5" name="フッター プレースホルダー 4">
             <a:extLst>
               <a:ext uri="{FF2B5EF4-FFF2-40B4-BE49-F238E27FC236}">
-                <a16:creationId xmlns:a16="http://schemas.microsoft.com/office/drawing/2014/main" xmlns="" id="{2C59096C-C2E5-B14D-B2A2-36358214FE51}"/>
+                <a16:creationId xmlns="" xmlns:a16="http://schemas.microsoft.com/office/drawing/2014/main" id="{2C59096C-C2E5-B14D-B2A2-36358214FE51}"/>
               </a:ext>
             </a:extLst>
           </p:cNvPr>
@@ -936,7 +936,7 @@
           <p:cNvPr id="12" name="スライド番号プレースホルダー 5">
             <a:extLst>
               <a:ext uri="{FF2B5EF4-FFF2-40B4-BE49-F238E27FC236}">
-                <a16:creationId xmlns:a16="http://schemas.microsoft.com/office/drawing/2014/main" xmlns="" id="{ADDBA127-4A03-BC4E-8876-35CB9BA12BDA}"/>
+                <a16:creationId xmlns="" xmlns:a16="http://schemas.microsoft.com/office/drawing/2014/main" id="{ADDBA127-4A03-BC4E-8876-35CB9BA12BDA}"/>
               </a:ext>
             </a:extLst>
           </p:cNvPr>
@@ -983,7 +983,7 @@
           <p:cNvPr id="23" name="日付プレースホルダー 3">
             <a:extLst>
               <a:ext uri="{FF2B5EF4-FFF2-40B4-BE49-F238E27FC236}">
-                <a16:creationId xmlns:a16="http://schemas.microsoft.com/office/drawing/2014/main" xmlns="" id="{DF8083E3-B43D-C043-9F00-B2583CD41ABC}"/>
+                <a16:creationId xmlns="" xmlns:a16="http://schemas.microsoft.com/office/drawing/2014/main" id="{DF8083E3-B43D-C043-9F00-B2583CD41ABC}"/>
               </a:ext>
             </a:extLst>
           </p:cNvPr>
@@ -1033,7 +1033,7 @@
           <p:cNvPr id="8" name="図 7">
             <a:extLst>
               <a:ext uri="{FF2B5EF4-FFF2-40B4-BE49-F238E27FC236}">
-                <a16:creationId xmlns:a16="http://schemas.microsoft.com/office/drawing/2014/main" xmlns="" id="{27FEC6F4-0752-3E45-8033-0E07A04D7EA7}"/>
+                <a16:creationId xmlns="" xmlns:a16="http://schemas.microsoft.com/office/drawing/2014/main" id="{27FEC6F4-0752-3E45-8033-0E07A04D7EA7}"/>
               </a:ext>
             </a:extLst>
           </p:cNvPr>
@@ -1093,7 +1093,7 @@
           <p:cNvPr id="10" name="角丸四角形 9">
             <a:extLst>
               <a:ext uri="{FF2B5EF4-FFF2-40B4-BE49-F238E27FC236}">
-                <a16:creationId xmlns:a16="http://schemas.microsoft.com/office/drawing/2014/main" xmlns="" id="{17AB320E-BED9-BE4E-A524-0EAF5F02E0E0}"/>
+                <a16:creationId xmlns="" xmlns:a16="http://schemas.microsoft.com/office/drawing/2014/main" id="{17AB320E-BED9-BE4E-A524-0EAF5F02E0E0}"/>
               </a:ext>
             </a:extLst>
           </p:cNvPr>
@@ -1149,7 +1149,7 @@
           <p:cNvPr id="2" name="タイトル 1">
             <a:extLst>
               <a:ext uri="{FF2B5EF4-FFF2-40B4-BE49-F238E27FC236}">
-                <a16:creationId xmlns:a16="http://schemas.microsoft.com/office/drawing/2014/main" xmlns="" id="{A0BA26FF-1EF6-1944-9480-4D107C1B2112}"/>
+                <a16:creationId xmlns="" xmlns:a16="http://schemas.microsoft.com/office/drawing/2014/main" id="{A0BA26FF-1EF6-1944-9480-4D107C1B2112}"/>
               </a:ext>
             </a:extLst>
           </p:cNvPr>
@@ -1211,7 +1211,7 @@
           <p:cNvPr id="3" name="テキスト プレースホルダー 2">
             <a:extLst>
               <a:ext uri="{FF2B5EF4-FFF2-40B4-BE49-F238E27FC236}">
-                <a16:creationId xmlns:a16="http://schemas.microsoft.com/office/drawing/2014/main" xmlns="" id="{DF015CA4-39DE-D246-AA62-657A78AF0022}"/>
+                <a16:creationId xmlns="" xmlns:a16="http://schemas.microsoft.com/office/drawing/2014/main" id="{DF015CA4-39DE-D246-AA62-657A78AF0022}"/>
               </a:ext>
             </a:extLst>
           </p:cNvPr>
@@ -1339,7 +1339,7 @@
           <p:cNvPr id="8" name="フッター プレースホルダー 4">
             <a:extLst>
               <a:ext uri="{FF2B5EF4-FFF2-40B4-BE49-F238E27FC236}">
-                <a16:creationId xmlns:a16="http://schemas.microsoft.com/office/drawing/2014/main" xmlns="" id="{71206BE8-39E0-CC43-B913-EB5F90A82767}"/>
+                <a16:creationId xmlns="" xmlns:a16="http://schemas.microsoft.com/office/drawing/2014/main" id="{71206BE8-39E0-CC43-B913-EB5F90A82767}"/>
               </a:ext>
             </a:extLst>
           </p:cNvPr>
@@ -1383,7 +1383,7 @@
           <p:cNvPr id="9" name="スライド番号プレースホルダー 5">
             <a:extLst>
               <a:ext uri="{FF2B5EF4-FFF2-40B4-BE49-F238E27FC236}">
-                <a16:creationId xmlns:a16="http://schemas.microsoft.com/office/drawing/2014/main" xmlns="" id="{A1E63389-5073-314F-86A3-44A2F79BE7D7}"/>
+                <a16:creationId xmlns="" xmlns:a16="http://schemas.microsoft.com/office/drawing/2014/main" id="{A1E63389-5073-314F-86A3-44A2F79BE7D7}"/>
               </a:ext>
             </a:extLst>
           </p:cNvPr>
@@ -1430,7 +1430,7 @@
           <p:cNvPr id="12" name="直線コネクタ 11">
             <a:extLst>
               <a:ext uri="{FF2B5EF4-FFF2-40B4-BE49-F238E27FC236}">
-                <a16:creationId xmlns:a16="http://schemas.microsoft.com/office/drawing/2014/main" xmlns="" id="{CD5636F0-6BE7-A847-B466-FBE8F07DC8AB}"/>
+                <a16:creationId xmlns="" xmlns:a16="http://schemas.microsoft.com/office/drawing/2014/main" id="{CD5636F0-6BE7-A847-B466-FBE8F07DC8AB}"/>
               </a:ext>
             </a:extLst>
           </p:cNvPr>
@@ -1475,7 +1475,7 @@
           <p:cNvPr id="11" name="図 10">
             <a:extLst>
               <a:ext uri="{FF2B5EF4-FFF2-40B4-BE49-F238E27FC236}">
-                <a16:creationId xmlns:a16="http://schemas.microsoft.com/office/drawing/2014/main" xmlns="" id="{4357C128-8DAD-5B42-AFC6-6F7B84A6316D}"/>
+                <a16:creationId xmlns="" xmlns:a16="http://schemas.microsoft.com/office/drawing/2014/main" id="{4357C128-8DAD-5B42-AFC6-6F7B84A6316D}"/>
               </a:ext>
             </a:extLst>
           </p:cNvPr>
@@ -1540,7 +1540,7 @@
           <p:cNvPr id="2" name="タイトル プレースホルダー 1">
             <a:extLst>
               <a:ext uri="{FF2B5EF4-FFF2-40B4-BE49-F238E27FC236}">
-                <a16:creationId xmlns:a16="http://schemas.microsoft.com/office/drawing/2014/main" xmlns="" id="{090368ED-B3ED-CC45-9BEF-86AB6DEF4035}"/>
+                <a16:creationId xmlns="" xmlns:a16="http://schemas.microsoft.com/office/drawing/2014/main" id="{090368ED-B3ED-CC45-9BEF-86AB6DEF4035}"/>
               </a:ext>
             </a:extLst>
           </p:cNvPr>
@@ -1578,7 +1578,7 @@
           <p:cNvPr id="3" name="テキスト プレースホルダー 2">
             <a:extLst>
               <a:ext uri="{FF2B5EF4-FFF2-40B4-BE49-F238E27FC236}">
-                <a16:creationId xmlns:a16="http://schemas.microsoft.com/office/drawing/2014/main" xmlns="" id="{E50C9ED8-CD07-714C-A547-70C68B2B55F2}"/>
+                <a16:creationId xmlns="" xmlns:a16="http://schemas.microsoft.com/office/drawing/2014/main" id="{E50C9ED8-CD07-714C-A547-70C68B2B55F2}"/>
               </a:ext>
             </a:extLst>
           </p:cNvPr>
@@ -1677,7 +1677,7 @@
           <p:cNvPr id="4" name="日付プレースホルダー 3">
             <a:extLst>
               <a:ext uri="{FF2B5EF4-FFF2-40B4-BE49-F238E27FC236}">
-                <a16:creationId xmlns:a16="http://schemas.microsoft.com/office/drawing/2014/main" xmlns="" id="{B10D9063-A8BE-244D-9EA0-EA2B73764525}"/>
+                <a16:creationId xmlns="" xmlns:a16="http://schemas.microsoft.com/office/drawing/2014/main" id="{B10D9063-A8BE-244D-9EA0-EA2B73764525}"/>
               </a:ext>
             </a:extLst>
           </p:cNvPr>
@@ -1724,7 +1724,7 @@
           <p:cNvPr id="5" name="フッター プレースホルダー 4">
             <a:extLst>
               <a:ext uri="{FF2B5EF4-FFF2-40B4-BE49-F238E27FC236}">
-                <a16:creationId xmlns:a16="http://schemas.microsoft.com/office/drawing/2014/main" xmlns="" id="{A00E162C-33EE-254D-B508-855BA6225032}"/>
+                <a16:creationId xmlns="" xmlns:a16="http://schemas.microsoft.com/office/drawing/2014/main" id="{A00E162C-33EE-254D-B508-855BA6225032}"/>
               </a:ext>
             </a:extLst>
           </p:cNvPr>
@@ -1771,7 +1771,7 @@
           <p:cNvPr id="6" name="スライド番号プレースホルダー 5">
             <a:extLst>
               <a:ext uri="{FF2B5EF4-FFF2-40B4-BE49-F238E27FC236}">
-                <a16:creationId xmlns:a16="http://schemas.microsoft.com/office/drawing/2014/main" xmlns="" id="{3D5F3302-FF17-A84C-BA25-4E54D24E038C}"/>
+                <a16:creationId xmlns="" xmlns:a16="http://schemas.microsoft.com/office/drawing/2014/main" id="{3D5F3302-FF17-A84C-BA25-4E54D24E038C}"/>
               </a:ext>
             </a:extLst>
           </p:cNvPr>
@@ -2131,7 +2131,7 @@
           <p:cNvPr id="2" name="タイトル 1">
             <a:extLst>
               <a:ext uri="{FF2B5EF4-FFF2-40B4-BE49-F238E27FC236}">
-                <a16:creationId xmlns:a16="http://schemas.microsoft.com/office/drawing/2014/main" xmlns="" id="{553D397D-2888-234F-A46C-0F170662A7C6}"/>
+                <a16:creationId xmlns="" xmlns:a16="http://schemas.microsoft.com/office/drawing/2014/main" id="{553D397D-2888-234F-A46C-0F170662A7C6}"/>
               </a:ext>
             </a:extLst>
           </p:cNvPr>
@@ -2172,7 +2172,7 @@
           <p:cNvPr id="5" name="スライド番号プレースホルダー 4">
             <a:extLst>
               <a:ext uri="{FF2B5EF4-FFF2-40B4-BE49-F238E27FC236}">
-                <a16:creationId xmlns:a16="http://schemas.microsoft.com/office/drawing/2014/main" xmlns="" id="{ADD54F4F-663F-6841-B4B6-081247378DF7}"/>
+                <a16:creationId xmlns="" xmlns:a16="http://schemas.microsoft.com/office/drawing/2014/main" id="{ADD54F4F-663F-6841-B4B6-081247378DF7}"/>
               </a:ext>
             </a:extLst>
           </p:cNvPr>
@@ -2207,7 +2207,7 @@
           <p:cNvPr id="17" name="テキスト ボックス 16">
             <a:extLst>
               <a:ext uri="{FF2B5EF4-FFF2-40B4-BE49-F238E27FC236}">
-                <a16:creationId xmlns:a16="http://schemas.microsoft.com/office/drawing/2014/main" xmlns="" id="{C0D38446-3193-784B-9860-46BF830066DF}"/>
+                <a16:creationId xmlns="" xmlns:a16="http://schemas.microsoft.com/office/drawing/2014/main" id="{C0D38446-3193-784B-9860-46BF830066DF}"/>
               </a:ext>
             </a:extLst>
           </p:cNvPr>
@@ -2247,7 +2247,7 @@
           <p:cNvPr id="14" name="テキスト ボックス 13">
             <a:extLst>
               <a:ext uri="{FF2B5EF4-FFF2-40B4-BE49-F238E27FC236}">
-                <a16:creationId xmlns:a16="http://schemas.microsoft.com/office/drawing/2014/main" xmlns="" id="{4FC6D111-558A-D248-BFC7-7F0032FD1565}"/>
+                <a16:creationId xmlns="" xmlns:a16="http://schemas.microsoft.com/office/drawing/2014/main" id="{4FC6D111-558A-D248-BFC7-7F0032FD1565}"/>
               </a:ext>
             </a:extLst>
           </p:cNvPr>
@@ -2460,7 +2460,7 @@
           <p:cNvPr id="3" name="テキスト プレースホルダー 2">
             <a:extLst>
               <a:ext uri="{FF2B5EF4-FFF2-40B4-BE49-F238E27FC236}">
-                <a16:creationId xmlns:a16="http://schemas.microsoft.com/office/drawing/2014/main" xmlns="" id="{F770DBF7-B512-0C4C-8AB6-40DE9C79D6F3}"/>
+                <a16:creationId xmlns="" xmlns:a16="http://schemas.microsoft.com/office/drawing/2014/main" id="{F770DBF7-B512-0C4C-8AB6-40DE9C79D6F3}"/>
               </a:ext>
             </a:extLst>
           </p:cNvPr>
@@ -2489,7 +2489,7 @@
           <p:cNvPr id="4" name="フッター プレースホルダー 3">
             <a:extLst>
               <a:ext uri="{FF2B5EF4-FFF2-40B4-BE49-F238E27FC236}">
-                <a16:creationId xmlns:a16="http://schemas.microsoft.com/office/drawing/2014/main" xmlns="" id="{9483EFBB-49FB-AD4F-B46A-45730A426DB5}"/>
+                <a16:creationId xmlns="" xmlns:a16="http://schemas.microsoft.com/office/drawing/2014/main" id="{9483EFBB-49FB-AD4F-B46A-45730A426DB5}"/>
               </a:ext>
             </a:extLst>
           </p:cNvPr>
@@ -2518,7 +2518,7 @@
           <p:cNvPr id="5" name="スライド番号プレースホルダー 4">
             <a:extLst>
               <a:ext uri="{FF2B5EF4-FFF2-40B4-BE49-F238E27FC236}">
-                <a16:creationId xmlns:a16="http://schemas.microsoft.com/office/drawing/2014/main" xmlns="" id="{24F057B8-971E-6B4F-B684-58125E195DF6}"/>
+                <a16:creationId xmlns="" xmlns:a16="http://schemas.microsoft.com/office/drawing/2014/main" id="{24F057B8-971E-6B4F-B684-58125E195DF6}"/>
               </a:ext>
             </a:extLst>
           </p:cNvPr>
@@ -2626,7 +2626,7 @@
           <p:cNvPr id="21" name="テキスト ボックス 20">
             <a:extLst>
               <a:ext uri="{FF2B5EF4-FFF2-40B4-BE49-F238E27FC236}">
-                <a16:creationId xmlns:a16="http://schemas.microsoft.com/office/drawing/2014/main" xmlns="" id="{AE9AC60F-6DEA-C147-80D0-54722FAA7B65}"/>
+                <a16:creationId xmlns="" xmlns:a16="http://schemas.microsoft.com/office/drawing/2014/main" id="{AE9AC60F-6DEA-C147-80D0-54722FAA7B65}"/>
               </a:ext>
             </a:extLst>
           </p:cNvPr>
@@ -2636,7 +2636,7 @@
         <p:spPr>
           <a:xfrm>
             <a:off x="850565" y="1574027"/>
-            <a:ext cx="10490866" cy="3785652"/>
+            <a:ext cx="10490866" cy="1938992"/>
           </a:xfrm>
           <a:prstGeom prst="rect">
             <a:avLst/>
@@ -2663,7 +2663,7 @@
                 <a:ea typeface="Meiryo UI" panose="020B0604030504040204" pitchFamily="34" charset="-128"/>
                 <a:cs typeface="Meiryo UI" panose="020B0604030504040204" pitchFamily="34" charset="-128"/>
               </a:rPr>
-              <a:t>河野が開技に来た目的</a:t>
+              <a:t>活動背景と活動目的</a:t>
             </a:r>
             <a:endParaRPr lang="en-US" altLang="ja-JP" sz="2000" dirty="0" smtClean="0">
               <a:latin typeface="Meiryo UI" panose="020B0604030504040204" pitchFamily="34" charset="-128"/>
@@ -2681,20 +2681,12 @@
               </a:buBlip>
             </a:pPr>
             <a:r>
-              <a:rPr lang="en-US" altLang="ja-JP" sz="2000" dirty="0" err="1" smtClean="0">
-                <a:latin typeface="Meiryo UI" panose="020B0604030504040204" pitchFamily="34" charset="-128"/>
-                <a:ea typeface="Meiryo UI" panose="020B0604030504040204" pitchFamily="34" charset="-128"/>
-                <a:cs typeface="Meiryo UI" panose="020B0604030504040204" pitchFamily="34" charset="-128"/>
-              </a:rPr>
-              <a:t>Git</a:t>
-            </a:r>
-            <a:r>
               <a:rPr lang="ja-JP" altLang="en-US" sz="2000" dirty="0" smtClean="0">
                 <a:latin typeface="Meiryo UI" panose="020B0604030504040204" pitchFamily="34" charset="-128"/>
                 <a:ea typeface="Meiryo UI" panose="020B0604030504040204" pitchFamily="34" charset="-128"/>
                 <a:cs typeface="Meiryo UI" panose="020B0604030504040204" pitchFamily="34" charset="-128"/>
               </a:rPr>
-              <a:t>移行を行う背景</a:t>
+              <a:t>活動内容</a:t>
             </a:r>
             <a:endParaRPr lang="en-US" altLang="ja-JP" sz="2000" dirty="0" smtClean="0">
               <a:latin typeface="Meiryo UI" panose="020B0604030504040204" pitchFamily="34" charset="-128"/>
@@ -2712,20 +2704,12 @@
               </a:buBlip>
             </a:pPr>
             <a:r>
-              <a:rPr lang="ja-JP" altLang="en-US" sz="2000" dirty="0">
-                <a:latin typeface="Meiryo UI" panose="020B0604030504040204" pitchFamily="34" charset="-128"/>
-                <a:ea typeface="Meiryo UI" panose="020B0604030504040204" pitchFamily="34" charset="-128"/>
-                <a:cs typeface="Meiryo UI" panose="020B0604030504040204" pitchFamily="34" charset="-128"/>
-              </a:rPr>
-              <a:t>移行後</a:t>
-            </a:r>
-            <a:r>
               <a:rPr lang="ja-JP" altLang="en-US" sz="2000" dirty="0" smtClean="0">
                 <a:latin typeface="Meiryo UI" panose="020B0604030504040204" pitchFamily="34" charset="-128"/>
                 <a:ea typeface="Meiryo UI" panose="020B0604030504040204" pitchFamily="34" charset="-128"/>
                 <a:cs typeface="Meiryo UI" panose="020B0604030504040204" pitchFamily="34" charset="-128"/>
               </a:rPr>
-              <a:t>のゴール</a:t>
+              <a:t>今後の展望</a:t>
             </a:r>
             <a:endParaRPr lang="en-US" altLang="ja-JP" sz="2000" dirty="0" smtClean="0">
               <a:latin typeface="Meiryo UI" panose="020B0604030504040204" pitchFamily="34" charset="-128"/>
@@ -2743,131 +2727,7 @@
               </a:buBlip>
             </a:pPr>
             <a:r>
-              <a:rPr lang="ja-JP" altLang="en-US" sz="2000" dirty="0">
-                <a:latin typeface="Meiryo UI" panose="020B0604030504040204" pitchFamily="34" charset="-128"/>
-                <a:ea typeface="Meiryo UI" panose="020B0604030504040204" pitchFamily="34" charset="-128"/>
-                <a:cs typeface="Meiryo UI" panose="020B0604030504040204" pitchFamily="34" charset="-128"/>
-              </a:rPr>
-              <a:t>移行</a:t>
-            </a:r>
-            <a:r>
               <a:rPr lang="ja-JP" altLang="en-US" sz="2000" dirty="0" smtClean="0">
-                <a:latin typeface="Meiryo UI" panose="020B0604030504040204" pitchFamily="34" charset="-128"/>
-                <a:ea typeface="Meiryo UI" panose="020B0604030504040204" pitchFamily="34" charset="-128"/>
-                <a:cs typeface="Meiryo UI" panose="020B0604030504040204" pitchFamily="34" charset="-128"/>
-              </a:rPr>
-              <a:t>時の懸念</a:t>
-            </a:r>
-            <a:endParaRPr lang="en-US" altLang="ja-JP" sz="2000" dirty="0" smtClean="0">
-              <a:latin typeface="Meiryo UI" panose="020B0604030504040204" pitchFamily="34" charset="-128"/>
-              <a:ea typeface="Meiryo UI" panose="020B0604030504040204" pitchFamily="34" charset="-128"/>
-              <a:cs typeface="Meiryo UI" panose="020B0604030504040204" pitchFamily="34" charset="-128"/>
-            </a:endParaRPr>
-          </a:p>
-          <a:p>
-            <a:pPr marL="342900" indent="-342900">
-              <a:lnSpc>
-                <a:spcPct val="150000"/>
-              </a:lnSpc>
-              <a:buBlip>
-                <a:blip r:embed="rId3"/>
-              </a:buBlip>
-            </a:pPr>
-            <a:r>
-              <a:rPr lang="ja-JP" altLang="en-US" sz="2000" dirty="0">
-                <a:latin typeface="Meiryo UI" panose="020B0604030504040204" pitchFamily="34" charset="-128"/>
-                <a:ea typeface="Meiryo UI" panose="020B0604030504040204" pitchFamily="34" charset="-128"/>
-                <a:cs typeface="Meiryo UI" panose="020B0604030504040204" pitchFamily="34" charset="-128"/>
-              </a:rPr>
-              <a:t>懸念</a:t>
-            </a:r>
-            <a:r>
-              <a:rPr lang="ja-JP" altLang="en-US" sz="2000" dirty="0" smtClean="0">
-                <a:latin typeface="Meiryo UI" panose="020B0604030504040204" pitchFamily="34" charset="-128"/>
-                <a:ea typeface="Meiryo UI" panose="020B0604030504040204" pitchFamily="34" charset="-128"/>
-                <a:cs typeface="Meiryo UI" panose="020B0604030504040204" pitchFamily="34" charset="-128"/>
-              </a:rPr>
-              <a:t>の検証結果</a:t>
-            </a:r>
-            <a:endParaRPr lang="en-US" altLang="ja-JP" sz="2000" dirty="0" smtClean="0">
-              <a:latin typeface="Meiryo UI" panose="020B0604030504040204" pitchFamily="34" charset="-128"/>
-              <a:ea typeface="Meiryo UI" panose="020B0604030504040204" pitchFamily="34" charset="-128"/>
-              <a:cs typeface="Meiryo UI" panose="020B0604030504040204" pitchFamily="34" charset="-128"/>
-            </a:endParaRPr>
-          </a:p>
-          <a:p>
-            <a:pPr marL="342900" indent="-342900">
-              <a:lnSpc>
-                <a:spcPct val="150000"/>
-              </a:lnSpc>
-              <a:buBlip>
-                <a:blip r:embed="rId3"/>
-              </a:buBlip>
-            </a:pPr>
-            <a:r>
-              <a:rPr lang="ja-JP" altLang="en-US" sz="2000" dirty="0">
-                <a:latin typeface="Meiryo UI" panose="020B0604030504040204" pitchFamily="34" charset="-128"/>
-                <a:ea typeface="Meiryo UI" panose="020B0604030504040204" pitchFamily="34" charset="-128"/>
-                <a:cs typeface="Meiryo UI" panose="020B0604030504040204" pitchFamily="34" charset="-128"/>
-              </a:rPr>
-              <a:t>移行のため</a:t>
-            </a:r>
-            <a:r>
-              <a:rPr lang="ja-JP" altLang="en-US" sz="2000" dirty="0" smtClean="0">
-                <a:latin typeface="Meiryo UI" panose="020B0604030504040204" pitchFamily="34" charset="-128"/>
-                <a:ea typeface="Meiryo UI" panose="020B0604030504040204" pitchFamily="34" charset="-128"/>
-                <a:cs typeface="Meiryo UI" panose="020B0604030504040204" pitchFamily="34" charset="-128"/>
-              </a:rPr>
-              <a:t>に行ったこと</a:t>
-            </a:r>
-            <a:endParaRPr lang="en-US" altLang="ja-JP" sz="2000" dirty="0" smtClean="0">
-              <a:latin typeface="Meiryo UI" panose="020B0604030504040204" pitchFamily="34" charset="-128"/>
-              <a:ea typeface="Meiryo UI" panose="020B0604030504040204" pitchFamily="34" charset="-128"/>
-              <a:cs typeface="Meiryo UI" panose="020B0604030504040204" pitchFamily="34" charset="-128"/>
-            </a:endParaRPr>
-          </a:p>
-          <a:p>
-            <a:pPr marL="342900" indent="-342900">
-              <a:lnSpc>
-                <a:spcPct val="150000"/>
-              </a:lnSpc>
-              <a:buBlip>
-                <a:blip r:embed="rId3"/>
-              </a:buBlip>
-            </a:pPr>
-            <a:r>
-              <a:rPr lang="en-US" altLang="ja-JP" sz="2000" dirty="0" err="1" smtClean="0">
-                <a:latin typeface="Meiryo UI" panose="020B0604030504040204" pitchFamily="34" charset="-128"/>
-                <a:ea typeface="Meiryo UI" panose="020B0604030504040204" pitchFamily="34" charset="-128"/>
-                <a:cs typeface="Meiryo UI" panose="020B0604030504040204" pitchFamily="34" charset="-128"/>
-              </a:rPr>
-              <a:t>iQUAVIS</a:t>
-            </a:r>
-            <a:r>
-              <a:rPr lang="ja-JP" altLang="en-US" sz="2000" dirty="0" smtClean="0">
-                <a:latin typeface="Meiryo UI" panose="020B0604030504040204" pitchFamily="34" charset="-128"/>
-                <a:ea typeface="Meiryo UI" panose="020B0604030504040204" pitchFamily="34" charset="-128"/>
-                <a:cs typeface="Meiryo UI" panose="020B0604030504040204" pitchFamily="34" charset="-128"/>
-              </a:rPr>
-              <a:t>チームでの移行計画</a:t>
-            </a:r>
-            <a:endParaRPr lang="en-US" altLang="ja-JP" sz="2000" dirty="0" smtClean="0">
-              <a:latin typeface="Meiryo UI" panose="020B0604030504040204" pitchFamily="34" charset="-128"/>
-              <a:ea typeface="Meiryo UI" panose="020B0604030504040204" pitchFamily="34" charset="-128"/>
-              <a:cs typeface="Meiryo UI" panose="020B0604030504040204" pitchFamily="34" charset="-128"/>
-            </a:endParaRPr>
-          </a:p>
-          <a:p>
-            <a:pPr marL="342900" indent="-342900">
-              <a:lnSpc>
-                <a:spcPct val="150000"/>
-              </a:lnSpc>
-              <a:buBlip>
-                <a:blip r:embed="rId3"/>
-              </a:buBlip>
-            </a:pPr>
-            <a:r>
-              <a:rPr lang="ja-JP" altLang="en-US" sz="2000" dirty="0">
                 <a:latin typeface="Meiryo UI" panose="020B0604030504040204" pitchFamily="34" charset="-128"/>
                 <a:ea typeface="Meiryo UI" panose="020B0604030504040204" pitchFamily="34" charset="-128"/>
                 <a:cs typeface="Meiryo UI" panose="020B0604030504040204" pitchFamily="34" charset="-128"/>
@@ -2887,7 +2747,7 @@
           <p:cNvPr id="11" name="タイトル 10">
             <a:extLst>
               <a:ext uri="{FF2B5EF4-FFF2-40B4-BE49-F238E27FC236}">
-                <a16:creationId xmlns:a16="http://schemas.microsoft.com/office/drawing/2014/main" xmlns="" id="{B9ECB5CA-8E55-45AF-A944-DF30B3AD9335}"/>
+                <a16:creationId xmlns="" xmlns:a16="http://schemas.microsoft.com/office/drawing/2014/main" id="{B9ECB5CA-8E55-45AF-A944-DF30B3AD9335}"/>
               </a:ext>
             </a:extLst>
           </p:cNvPr>
@@ -2942,7 +2802,7 @@
           <p:cNvPr id="3" name="テキスト プレースホルダー 2">
             <a:extLst>
               <a:ext uri="{FF2B5EF4-FFF2-40B4-BE49-F238E27FC236}">
-                <a16:creationId xmlns:a16="http://schemas.microsoft.com/office/drawing/2014/main" xmlns="" id="{F770DBF7-B512-0C4C-8AB6-40DE9C79D6F3}"/>
+                <a16:creationId xmlns="" xmlns:a16="http://schemas.microsoft.com/office/drawing/2014/main" id="{F770DBF7-B512-0C4C-8AB6-40DE9C79D6F3}"/>
               </a:ext>
             </a:extLst>
           </p:cNvPr>
@@ -2971,7 +2831,7 @@
           <p:cNvPr id="4" name="フッター プレースホルダー 3">
             <a:extLst>
               <a:ext uri="{FF2B5EF4-FFF2-40B4-BE49-F238E27FC236}">
-                <a16:creationId xmlns:a16="http://schemas.microsoft.com/office/drawing/2014/main" xmlns="" id="{9483EFBB-49FB-AD4F-B46A-45730A426DB5}"/>
+                <a16:creationId xmlns="" xmlns:a16="http://schemas.microsoft.com/office/drawing/2014/main" id="{9483EFBB-49FB-AD4F-B46A-45730A426DB5}"/>
               </a:ext>
             </a:extLst>
           </p:cNvPr>
@@ -3000,7 +2860,7 @@
           <p:cNvPr id="5" name="スライド番号プレースホルダー 4">
             <a:extLst>
               <a:ext uri="{FF2B5EF4-FFF2-40B4-BE49-F238E27FC236}">
-                <a16:creationId xmlns:a16="http://schemas.microsoft.com/office/drawing/2014/main" xmlns="" id="{24F057B8-971E-6B4F-B684-58125E195DF6}"/>
+                <a16:creationId xmlns="" xmlns:a16="http://schemas.microsoft.com/office/drawing/2014/main" id="{24F057B8-971E-6B4F-B684-58125E195DF6}"/>
               </a:ext>
             </a:extLst>
           </p:cNvPr>
@@ -3108,7 +2968,7 @@
           <p:cNvPr id="21" name="テキスト ボックス 20">
             <a:extLst>
               <a:ext uri="{FF2B5EF4-FFF2-40B4-BE49-F238E27FC236}">
-                <a16:creationId xmlns:a16="http://schemas.microsoft.com/office/drawing/2014/main" xmlns="" id="{AE9AC60F-6DEA-C147-80D0-54722FAA7B65}"/>
+                <a16:creationId xmlns="" xmlns:a16="http://schemas.microsoft.com/office/drawing/2014/main" id="{AE9AC60F-6DEA-C147-80D0-54722FAA7B65}"/>
               </a:ext>
             </a:extLst>
           </p:cNvPr>
@@ -3337,7 +3197,7 @@
           <p:cNvPr id="3" name="テキスト プレースホルダー 2">
             <a:extLst>
               <a:ext uri="{FF2B5EF4-FFF2-40B4-BE49-F238E27FC236}">
-                <a16:creationId xmlns:a16="http://schemas.microsoft.com/office/drawing/2014/main" xmlns="" id="{F770DBF7-B512-0C4C-8AB6-40DE9C79D6F3}"/>
+                <a16:creationId xmlns="" xmlns:a16="http://schemas.microsoft.com/office/drawing/2014/main" id="{F770DBF7-B512-0C4C-8AB6-40DE9C79D6F3}"/>
               </a:ext>
             </a:extLst>
           </p:cNvPr>
@@ -3366,7 +3226,7 @@
           <p:cNvPr id="4" name="フッター プレースホルダー 3">
             <a:extLst>
               <a:ext uri="{FF2B5EF4-FFF2-40B4-BE49-F238E27FC236}">
-                <a16:creationId xmlns:a16="http://schemas.microsoft.com/office/drawing/2014/main" xmlns="" id="{9483EFBB-49FB-AD4F-B46A-45730A426DB5}"/>
+                <a16:creationId xmlns="" xmlns:a16="http://schemas.microsoft.com/office/drawing/2014/main" id="{9483EFBB-49FB-AD4F-B46A-45730A426DB5}"/>
               </a:ext>
             </a:extLst>
           </p:cNvPr>
@@ -3395,7 +3255,7 @@
           <p:cNvPr id="5" name="スライド番号プレースホルダー 4">
             <a:extLst>
               <a:ext uri="{FF2B5EF4-FFF2-40B4-BE49-F238E27FC236}">
-                <a16:creationId xmlns:a16="http://schemas.microsoft.com/office/drawing/2014/main" xmlns="" id="{24F057B8-971E-6B4F-B684-58125E195DF6}"/>
+                <a16:creationId xmlns="" xmlns:a16="http://schemas.microsoft.com/office/drawing/2014/main" id="{24F057B8-971E-6B4F-B684-58125E195DF6}"/>
               </a:ext>
             </a:extLst>
           </p:cNvPr>
@@ -3503,7 +3363,7 @@
           <p:cNvPr id="21" name="テキスト ボックス 20">
             <a:extLst>
               <a:ext uri="{FF2B5EF4-FFF2-40B4-BE49-F238E27FC236}">
-                <a16:creationId xmlns:a16="http://schemas.microsoft.com/office/drawing/2014/main" xmlns="" id="{AE9AC60F-6DEA-C147-80D0-54722FAA7B65}"/>
+                <a16:creationId xmlns="" xmlns:a16="http://schemas.microsoft.com/office/drawing/2014/main" id="{AE9AC60F-6DEA-C147-80D0-54722FAA7B65}"/>
               </a:ext>
             </a:extLst>
           </p:cNvPr>
@@ -3820,7 +3680,7 @@
           <p:cNvPr id="9" name="タイトル 8">
             <a:extLst>
               <a:ext uri="{FF2B5EF4-FFF2-40B4-BE49-F238E27FC236}">
-                <a16:creationId xmlns:a16="http://schemas.microsoft.com/office/drawing/2014/main" xmlns="" id="{03C94AA7-7A92-4A65-BCD7-72BB81DD1D43}"/>
+                <a16:creationId xmlns="" xmlns:a16="http://schemas.microsoft.com/office/drawing/2014/main" id="{03C94AA7-7A92-4A65-BCD7-72BB81DD1D43}"/>
               </a:ext>
             </a:extLst>
           </p:cNvPr>
@@ -3875,7 +3735,7 @@
           <p:cNvPr id="3" name="テキスト プレースホルダー 2">
             <a:extLst>
               <a:ext uri="{FF2B5EF4-FFF2-40B4-BE49-F238E27FC236}">
-                <a16:creationId xmlns:a16="http://schemas.microsoft.com/office/drawing/2014/main" xmlns="" id="{F770DBF7-B512-0C4C-8AB6-40DE9C79D6F3}"/>
+                <a16:creationId xmlns="" xmlns:a16="http://schemas.microsoft.com/office/drawing/2014/main" id="{F770DBF7-B512-0C4C-8AB6-40DE9C79D6F3}"/>
               </a:ext>
             </a:extLst>
           </p:cNvPr>
@@ -3904,7 +3764,7 @@
           <p:cNvPr id="4" name="フッター プレースホルダー 3">
             <a:extLst>
               <a:ext uri="{FF2B5EF4-FFF2-40B4-BE49-F238E27FC236}">
-                <a16:creationId xmlns:a16="http://schemas.microsoft.com/office/drawing/2014/main" xmlns="" id="{9483EFBB-49FB-AD4F-B46A-45730A426DB5}"/>
+                <a16:creationId xmlns="" xmlns:a16="http://schemas.microsoft.com/office/drawing/2014/main" id="{9483EFBB-49FB-AD4F-B46A-45730A426DB5}"/>
               </a:ext>
             </a:extLst>
           </p:cNvPr>
@@ -3933,7 +3793,7 @@
           <p:cNvPr id="5" name="スライド番号プレースホルダー 4">
             <a:extLst>
               <a:ext uri="{FF2B5EF4-FFF2-40B4-BE49-F238E27FC236}">
-                <a16:creationId xmlns:a16="http://schemas.microsoft.com/office/drawing/2014/main" xmlns="" id="{24F057B8-971E-6B4F-B684-58125E195DF6}"/>
+                <a16:creationId xmlns="" xmlns:a16="http://schemas.microsoft.com/office/drawing/2014/main" id="{24F057B8-971E-6B4F-B684-58125E195DF6}"/>
               </a:ext>
             </a:extLst>
           </p:cNvPr>
@@ -4041,7 +3901,7 @@
           <p:cNvPr id="21" name="テキスト ボックス 20">
             <a:extLst>
               <a:ext uri="{FF2B5EF4-FFF2-40B4-BE49-F238E27FC236}">
-                <a16:creationId xmlns:a16="http://schemas.microsoft.com/office/drawing/2014/main" xmlns="" id="{AE9AC60F-6DEA-C147-80D0-54722FAA7B65}"/>
+                <a16:creationId xmlns="" xmlns:a16="http://schemas.microsoft.com/office/drawing/2014/main" id="{AE9AC60F-6DEA-C147-80D0-54722FAA7B65}"/>
               </a:ext>
             </a:extLst>
           </p:cNvPr>
@@ -4338,7 +4198,7 @@
           <p:cNvPr id="9" name="タイトル 8">
             <a:extLst>
               <a:ext uri="{FF2B5EF4-FFF2-40B4-BE49-F238E27FC236}">
-                <a16:creationId xmlns:a16="http://schemas.microsoft.com/office/drawing/2014/main" xmlns="" id="{03C94AA7-7A92-4A65-BCD7-72BB81DD1D43}"/>
+                <a16:creationId xmlns="" xmlns:a16="http://schemas.microsoft.com/office/drawing/2014/main" id="{03C94AA7-7A92-4A65-BCD7-72BB81DD1D43}"/>
               </a:ext>
             </a:extLst>
           </p:cNvPr>
@@ -4393,7 +4253,7 @@
           <p:cNvPr id="2" name="タイトル 1">
             <a:extLst>
               <a:ext uri="{FF2B5EF4-FFF2-40B4-BE49-F238E27FC236}">
-                <a16:creationId xmlns:a16="http://schemas.microsoft.com/office/drawing/2014/main" xmlns="" id="{AFD91CE6-B7A7-CD42-B586-9E86352F5802}"/>
+                <a16:creationId xmlns="" xmlns:a16="http://schemas.microsoft.com/office/drawing/2014/main" id="{AFD91CE6-B7A7-CD42-B586-9E86352F5802}"/>
               </a:ext>
             </a:extLst>
           </p:cNvPr>
@@ -4418,7 +4278,7 @@
           <p:cNvPr id="3" name="テキスト プレースホルダー 2">
             <a:extLst>
               <a:ext uri="{FF2B5EF4-FFF2-40B4-BE49-F238E27FC236}">
-                <a16:creationId xmlns:a16="http://schemas.microsoft.com/office/drawing/2014/main" xmlns="" id="{F770DBF7-B512-0C4C-8AB6-40DE9C79D6F3}"/>
+                <a16:creationId xmlns="" xmlns:a16="http://schemas.microsoft.com/office/drawing/2014/main" id="{F770DBF7-B512-0C4C-8AB6-40DE9C79D6F3}"/>
               </a:ext>
             </a:extLst>
           </p:cNvPr>
@@ -4446,7 +4306,7 @@
           <p:cNvPr id="4" name="フッター プレースホルダー 3">
             <a:extLst>
               <a:ext uri="{FF2B5EF4-FFF2-40B4-BE49-F238E27FC236}">
-                <a16:creationId xmlns:a16="http://schemas.microsoft.com/office/drawing/2014/main" xmlns="" id="{9483EFBB-49FB-AD4F-B46A-45730A426DB5}"/>
+                <a16:creationId xmlns="" xmlns:a16="http://schemas.microsoft.com/office/drawing/2014/main" id="{9483EFBB-49FB-AD4F-B46A-45730A426DB5}"/>
               </a:ext>
             </a:extLst>
           </p:cNvPr>
@@ -4475,7 +4335,7 @@
           <p:cNvPr id="5" name="スライド番号プレースホルダー 4">
             <a:extLst>
               <a:ext uri="{FF2B5EF4-FFF2-40B4-BE49-F238E27FC236}">
-                <a16:creationId xmlns:a16="http://schemas.microsoft.com/office/drawing/2014/main" xmlns="" id="{24F057B8-971E-6B4F-B684-58125E195DF6}"/>
+                <a16:creationId xmlns="" xmlns:a16="http://schemas.microsoft.com/office/drawing/2014/main" id="{24F057B8-971E-6B4F-B684-58125E195DF6}"/>
               </a:ext>
             </a:extLst>
           </p:cNvPr>
@@ -4583,7 +4443,7 @@
           <p:cNvPr id="21" name="テキスト ボックス 20">
             <a:extLst>
               <a:ext uri="{FF2B5EF4-FFF2-40B4-BE49-F238E27FC236}">
-                <a16:creationId xmlns:a16="http://schemas.microsoft.com/office/drawing/2014/main" xmlns="" id="{AE9AC60F-6DEA-C147-80D0-54722FAA7B65}"/>
+                <a16:creationId xmlns="" xmlns:a16="http://schemas.microsoft.com/office/drawing/2014/main" id="{AE9AC60F-6DEA-C147-80D0-54722FAA7B65}"/>
               </a:ext>
             </a:extLst>
           </p:cNvPr>
@@ -5137,7 +4997,7 @@
   <a:extraClrSchemeLst/>
   <a:extLst>
     <a:ext uri="{05A4C25C-085E-4340-85A3-A5531E510DB2}">
-      <thm15:themeFamily xmlns:thm15="http://schemas.microsoft.com/office/thememl/2012/main" xmlns="" name="Office Theme" id="{62F939B6-93AF-4DB8-9C6B-D6C7DFDC589F}" vid="{4A3C46E8-61CC-4603-A589-7422A47A8E4A}"/>
+      <thm15:themeFamily xmlns="" xmlns:thm15="http://schemas.microsoft.com/office/thememl/2012/main" name="Office Theme" id="{62F939B6-93AF-4DB8-9C6B-D6C7DFDC589F}" vid="{4A3C46E8-61CC-4603-A589-7422A47A8E4A}"/>
     </a:ext>
   </a:extLst>
 </a:theme>
@@ -5432,28 +5292,13 @@
   <a:extraClrSchemeLst/>
   <a:extLst>
     <a:ext uri="{05A4C25C-085E-4340-85A3-A5531E510DB2}">
-      <thm15:themeFamily xmlns:thm15="http://schemas.microsoft.com/office/thememl/2012/main" xmlns="" name="Office Theme" id="{62F939B6-93AF-4DB8-9C6B-D6C7DFDC589F}" vid="{4A3C46E8-61CC-4603-A589-7422A47A8E4A}"/>
+      <thm15:themeFamily xmlns="" xmlns:thm15="http://schemas.microsoft.com/office/thememl/2012/main" name="Office Theme" id="{62F939B6-93AF-4DB8-9C6B-D6C7DFDC589F}" vid="{4A3C46E8-61CC-4603-A589-7422A47A8E4A}"/>
     </a:ext>
   </a:extLst>
 </a:theme>
 </file>
 
 <file path=customXml/item1.xml><?xml version="1.0" encoding="utf-8"?>
-<p:properties xmlns:p="http://schemas.microsoft.com/office/2006/metadata/properties" xmlns:xsi="http://www.w3.org/2001/XMLSchema-instance" xmlns:pc="http://schemas.microsoft.com/office/infopath/2007/PartnerControls">
-  <documentManagement/>
-</p:properties>
-</file>
-
-<file path=customXml/item2.xml><?xml version="1.0" encoding="utf-8"?>
-<?mso-contentType ?>
-<FormTemplates xmlns="http://schemas.microsoft.com/sharepoint/v3/contenttype/forms">
-  <Display>DocumentLibraryForm</Display>
-  <Edit>DocumentLibraryForm</Edit>
-  <New>DocumentLibraryForm</New>
-</FormTemplates>
-</file>
-
-<file path=customXml/item3.xml><?xml version="1.0" encoding="utf-8"?>
 <ct:contentTypeSchema xmlns:ct="http://schemas.microsoft.com/office/2006/metadata/contentType" xmlns:ma="http://schemas.microsoft.com/office/2006/metadata/properties/metaAttributes" ct:_="" ma:_="" ma:contentTypeName="ドキュメント" ma:contentTypeID="0x010100299516E91270B048AC93F1E023CACA85" ma:contentTypeVersion="0" ma:contentTypeDescription="新しいドキュメントを作成します。" ma:contentTypeScope="" ma:versionID="5b373c2ab3fad899ac0082b8b45582da">
   <xsd:schema xmlns:xsd="http://www.w3.org/2001/XMLSchema" xmlns:xs="http://www.w3.org/2001/XMLSchema" xmlns:p="http://schemas.microsoft.com/office/2006/metadata/properties" targetNamespace="http://schemas.microsoft.com/office/2006/metadata/properties" ma:root="true" ma:fieldsID="673d82c0c428e05a69f3f5a85e95194a">
     <xsd:element name="properties">
@@ -5567,17 +5412,33 @@
 </ct:contentTypeSchema>
 </file>
 
+<file path=customXml/item2.xml><?xml version="1.0" encoding="utf-8"?>
+<?mso-contentType ?>
+<FormTemplates xmlns="http://schemas.microsoft.com/sharepoint/v3/contenttype/forms">
+  <Display>DocumentLibraryForm</Display>
+  <Edit>DocumentLibraryForm</Edit>
+  <New>DocumentLibraryForm</New>
+</FormTemplates>
+</file>
+
+<file path=customXml/item3.xml><?xml version="1.0" encoding="utf-8"?>
+<p:properties xmlns:p="http://schemas.microsoft.com/office/2006/metadata/properties" xmlns:xsi="http://www.w3.org/2001/XMLSchema-instance" xmlns:pc="http://schemas.microsoft.com/office/infopath/2007/PartnerControls">
+  <documentManagement/>
+</p:properties>
+</file>
+
 <file path=customXml/itemProps1.xml><?xml version="1.0" encoding="utf-8"?>
-<ds:datastoreItem xmlns:ds="http://schemas.openxmlformats.org/officeDocument/2006/customXml" ds:itemID="{6C5362CF-1F1C-4F6B-B39A-1126564FB03E}">
+<ds:datastoreItem xmlns:ds="http://schemas.openxmlformats.org/officeDocument/2006/customXml" ds:itemID="{1855624D-87DE-4DDD-8DC7-3FA7EE5B44A6}">
   <ds:schemaRefs>
+    <ds:schemaRef ds:uri="http://schemas.microsoft.com/office/2006/metadata/contentType"/>
+    <ds:schemaRef ds:uri="http://schemas.microsoft.com/office/2006/metadata/properties/metaAttributes"/>
+    <ds:schemaRef ds:uri="http://www.w3.org/2001/XMLSchema"/>
+    <ds:schemaRef ds:uri="http://schemas.microsoft.com/office/2006/metadata/properties"/>
+    <ds:schemaRef ds:uri="http://schemas.openxmlformats.org/package/2006/metadata/core-properties"/>
     <ds:schemaRef ds:uri="http://purl.org/dc/elements/1.1/"/>
-    <ds:schemaRef ds:uri="http://schemas.microsoft.com/office/2006/metadata/properties"/>
     <ds:schemaRef ds:uri="http://purl.org/dc/terms/"/>
-    <ds:schemaRef ds:uri="http://schemas.openxmlformats.org/package/2006/metadata/core-properties"/>
-    <ds:schemaRef ds:uri="http://schemas.microsoft.com/office/2006/documentManagement/types"/>
+    <ds:schemaRef ds:uri="http://schemas.microsoft.com/internal/obd"/>
     <ds:schemaRef ds:uri="http://schemas.microsoft.com/office/infopath/2007/PartnerControls"/>
-    <ds:schemaRef ds:uri="http://www.w3.org/XML/1998/namespace"/>
-    <ds:schemaRef ds:uri="http://purl.org/dc/dcmitype/"/>
   </ds:schemaRefs>
 </ds:datastoreItem>
 </file>
@@ -5591,17 +5452,16 @@
 </file>
 
 <file path=customXml/itemProps3.xml><?xml version="1.0" encoding="utf-8"?>
-<ds:datastoreItem xmlns:ds="http://schemas.openxmlformats.org/officeDocument/2006/customXml" ds:itemID="{1855624D-87DE-4DDD-8DC7-3FA7EE5B44A6}">
+<ds:datastoreItem xmlns:ds="http://schemas.openxmlformats.org/officeDocument/2006/customXml" ds:itemID="{6C5362CF-1F1C-4F6B-B39A-1126564FB03E}">
   <ds:schemaRefs>
-    <ds:schemaRef ds:uri="http://schemas.microsoft.com/office/2006/metadata/contentType"/>
-    <ds:schemaRef ds:uri="http://schemas.microsoft.com/office/2006/metadata/properties/metaAttributes"/>
-    <ds:schemaRef ds:uri="http://www.w3.org/2001/XMLSchema"/>
+    <ds:schemaRef ds:uri="http://purl.org/dc/elements/1.1/"/>
     <ds:schemaRef ds:uri="http://schemas.microsoft.com/office/2006/metadata/properties"/>
+    <ds:schemaRef ds:uri="http://purl.org/dc/terms/"/>
     <ds:schemaRef ds:uri="http://schemas.openxmlformats.org/package/2006/metadata/core-properties"/>
-    <ds:schemaRef ds:uri="http://purl.org/dc/elements/1.1/"/>
-    <ds:schemaRef ds:uri="http://purl.org/dc/terms/"/>
-    <ds:schemaRef ds:uri="http://schemas.microsoft.com/internal/obd"/>
+    <ds:schemaRef ds:uri="http://schemas.microsoft.com/office/2006/documentManagement/types"/>
     <ds:schemaRef ds:uri="http://schemas.microsoft.com/office/infopath/2007/PartnerControls"/>
+    <ds:schemaRef ds:uri="http://www.w3.org/XML/1998/namespace"/>
+    <ds:schemaRef ds:uri="http://purl.org/dc/dcmitype/"/>
   </ds:schemaRefs>
 </ds:datastoreItem>
 </file>